--- a/docs/slides/ChiSqTests.pptx
+++ b/docs/slides/ChiSqTests.pptx
@@ -10,7 +10,7 @@
   <p:sldIdLst>
     <p:sldId id="331" r:id="rId2"/>
     <p:sldId id="459" r:id="rId3"/>
-    <p:sldId id="411" r:id="rId4"/>
+    <p:sldId id="460" r:id="rId4"/>
   </p:sldIdLst>
   <p:sldSz cx="12192000" cy="6858000"/>
   <p:notesSz cx="6858000" cy="9144000"/>
@@ -116,7 +116,7 @@
           <p14:sldIdLst>
             <p14:sldId id="331"/>
             <p14:sldId id="459"/>
-            <p14:sldId id="411"/>
+            <p14:sldId id="460"/>
           </p14:sldIdLst>
         </p14:section>
       </p14:sectionLst>
@@ -143,174 +143,174 @@
 <file path=ppt/changesInfos/changesInfo1.xml><?xml version="1.0" encoding="utf-8"?>
 <pc:chgInfo xmlns:a="http://schemas.openxmlformats.org/drawingml/2006/main" xmlns:r="http://schemas.openxmlformats.org/officeDocument/2006/relationships" xmlns:ac="http://schemas.microsoft.com/office/drawing/2013/main/command" xmlns:pc="http://schemas.microsoft.com/office/powerpoint/2013/main/command">
   <pc:docChgLst>
-    <pc:chgData name="Liam Hill" userId="cf4eacb2-5eb2-4c8d-8100-2f2500eca56b" providerId="ADAL" clId="{03A56546-6F76-4C11-9FDA-67137BC1D4BD}"/>
+    <pc:chgData name="Liam Hill" userId="cf4eacb2-5eb2-4c8d-8100-2f2500eca56b" providerId="ADAL" clId="{82B5AA50-1331-48D2-98CC-5556AEE19395}"/>
     <pc:docChg chg="delSld delMainMaster delSection modSection">
-      <pc:chgData name="Liam Hill" userId="cf4eacb2-5eb2-4c8d-8100-2f2500eca56b" providerId="ADAL" clId="{03A56546-6F76-4C11-9FDA-67137BC1D4BD}" dt="2025-06-12T20:53:10.837" v="5" actId="17851"/>
+      <pc:chgData name="Liam Hill" userId="cf4eacb2-5eb2-4c8d-8100-2f2500eca56b" providerId="ADAL" clId="{82B5AA50-1331-48D2-98CC-5556AEE19395}" dt="2025-06-12T22:19:35.660" v="5" actId="17851"/>
       <pc:docMkLst>
         <pc:docMk/>
       </pc:docMkLst>
       <pc:sldChg chg="del">
-        <pc:chgData name="Liam Hill" userId="cf4eacb2-5eb2-4c8d-8100-2f2500eca56b" providerId="ADAL" clId="{03A56546-6F76-4C11-9FDA-67137BC1D4BD}" dt="2025-06-12T20:53:05.703" v="2" actId="2696"/>
+        <pc:chgData name="Liam Hill" userId="cf4eacb2-5eb2-4c8d-8100-2f2500eca56b" providerId="ADAL" clId="{82B5AA50-1331-48D2-98CC-5556AEE19395}" dt="2025-06-12T22:19:27.864" v="2" actId="47"/>
         <pc:sldMkLst>
           <pc:docMk/>
           <pc:sldMk cId="501211901" sldId="256"/>
         </pc:sldMkLst>
       </pc:sldChg>
       <pc:sldChg chg="del">
-        <pc:chgData name="Liam Hill" userId="cf4eacb2-5eb2-4c8d-8100-2f2500eca56b" providerId="ADAL" clId="{03A56546-6F76-4C11-9FDA-67137BC1D4BD}" dt="2025-06-12T20:52:55.446" v="0" actId="2696"/>
+        <pc:chgData name="Liam Hill" userId="cf4eacb2-5eb2-4c8d-8100-2f2500eca56b" providerId="ADAL" clId="{82B5AA50-1331-48D2-98CC-5556AEE19395}" dt="2025-06-12T22:19:18.586" v="0" actId="47"/>
         <pc:sldMkLst>
           <pc:docMk/>
           <pc:sldMk cId="3534245109" sldId="285"/>
         </pc:sldMkLst>
       </pc:sldChg>
       <pc:sldChg chg="del">
-        <pc:chgData name="Liam Hill" userId="cf4eacb2-5eb2-4c8d-8100-2f2500eca56b" providerId="ADAL" clId="{03A56546-6F76-4C11-9FDA-67137BC1D4BD}" dt="2025-06-12T20:53:05.703" v="2" actId="2696"/>
+        <pc:chgData name="Liam Hill" userId="cf4eacb2-5eb2-4c8d-8100-2f2500eca56b" providerId="ADAL" clId="{82B5AA50-1331-48D2-98CC-5556AEE19395}" dt="2025-06-12T22:19:27.864" v="2" actId="47"/>
         <pc:sldMkLst>
           <pc:docMk/>
           <pc:sldMk cId="2769882194" sldId="343"/>
         </pc:sldMkLst>
       </pc:sldChg>
       <pc:sldChg chg="del">
-        <pc:chgData name="Liam Hill" userId="cf4eacb2-5eb2-4c8d-8100-2f2500eca56b" providerId="ADAL" clId="{03A56546-6F76-4C11-9FDA-67137BC1D4BD}" dt="2025-06-12T20:53:05.703" v="2" actId="2696"/>
+        <pc:chgData name="Liam Hill" userId="cf4eacb2-5eb2-4c8d-8100-2f2500eca56b" providerId="ADAL" clId="{82B5AA50-1331-48D2-98CC-5556AEE19395}" dt="2025-06-12T22:19:27.864" v="2" actId="47"/>
         <pc:sldMkLst>
           <pc:docMk/>
           <pc:sldMk cId="2849044864" sldId="344"/>
         </pc:sldMkLst>
       </pc:sldChg>
       <pc:sldChg chg="del">
-        <pc:chgData name="Liam Hill" userId="cf4eacb2-5eb2-4c8d-8100-2f2500eca56b" providerId="ADAL" clId="{03A56546-6F76-4C11-9FDA-67137BC1D4BD}" dt="2025-06-12T20:53:05.703" v="2" actId="2696"/>
+        <pc:chgData name="Liam Hill" userId="cf4eacb2-5eb2-4c8d-8100-2f2500eca56b" providerId="ADAL" clId="{82B5AA50-1331-48D2-98CC-5556AEE19395}" dt="2025-06-12T22:19:27.864" v="2" actId="47"/>
         <pc:sldMkLst>
           <pc:docMk/>
           <pc:sldMk cId="3224639602" sldId="345"/>
         </pc:sldMkLst>
       </pc:sldChg>
       <pc:sldChg chg="del">
-        <pc:chgData name="Liam Hill" userId="cf4eacb2-5eb2-4c8d-8100-2f2500eca56b" providerId="ADAL" clId="{03A56546-6F76-4C11-9FDA-67137BC1D4BD}" dt="2025-06-12T20:53:05.703" v="2" actId="2696"/>
+        <pc:chgData name="Liam Hill" userId="cf4eacb2-5eb2-4c8d-8100-2f2500eca56b" providerId="ADAL" clId="{82B5AA50-1331-48D2-98CC-5556AEE19395}" dt="2025-06-12T22:19:27.864" v="2" actId="47"/>
         <pc:sldMkLst>
           <pc:docMk/>
           <pc:sldMk cId="985877442" sldId="346"/>
         </pc:sldMkLst>
       </pc:sldChg>
       <pc:sldChg chg="del">
-        <pc:chgData name="Liam Hill" userId="cf4eacb2-5eb2-4c8d-8100-2f2500eca56b" providerId="ADAL" clId="{03A56546-6F76-4C11-9FDA-67137BC1D4BD}" dt="2025-06-12T20:53:05.703" v="2" actId="2696"/>
+        <pc:chgData name="Liam Hill" userId="cf4eacb2-5eb2-4c8d-8100-2f2500eca56b" providerId="ADAL" clId="{82B5AA50-1331-48D2-98CC-5556AEE19395}" dt="2025-06-12T22:19:27.864" v="2" actId="47"/>
         <pc:sldMkLst>
           <pc:docMk/>
           <pc:sldMk cId="4188283684" sldId="348"/>
         </pc:sldMkLst>
       </pc:sldChg>
       <pc:sldChg chg="del">
-        <pc:chgData name="Liam Hill" userId="cf4eacb2-5eb2-4c8d-8100-2f2500eca56b" providerId="ADAL" clId="{03A56546-6F76-4C11-9FDA-67137BC1D4BD}" dt="2025-06-12T20:53:05.703" v="2" actId="2696"/>
+        <pc:chgData name="Liam Hill" userId="cf4eacb2-5eb2-4c8d-8100-2f2500eca56b" providerId="ADAL" clId="{82B5AA50-1331-48D2-98CC-5556AEE19395}" dt="2025-06-12T22:19:27.864" v="2" actId="47"/>
         <pc:sldMkLst>
           <pc:docMk/>
           <pc:sldMk cId="3595360317" sldId="350"/>
         </pc:sldMkLst>
       </pc:sldChg>
       <pc:sldChg chg="del">
-        <pc:chgData name="Liam Hill" userId="cf4eacb2-5eb2-4c8d-8100-2f2500eca56b" providerId="ADAL" clId="{03A56546-6F76-4C11-9FDA-67137BC1D4BD}" dt="2025-06-12T20:53:05.703" v="2" actId="2696"/>
+        <pc:chgData name="Liam Hill" userId="cf4eacb2-5eb2-4c8d-8100-2f2500eca56b" providerId="ADAL" clId="{82B5AA50-1331-48D2-98CC-5556AEE19395}" dt="2025-06-12T22:19:27.864" v="2" actId="47"/>
         <pc:sldMkLst>
           <pc:docMk/>
           <pc:sldMk cId="3210522207" sldId="351"/>
         </pc:sldMkLst>
       </pc:sldChg>
       <pc:sldChg chg="del">
-        <pc:chgData name="Liam Hill" userId="cf4eacb2-5eb2-4c8d-8100-2f2500eca56b" providerId="ADAL" clId="{03A56546-6F76-4C11-9FDA-67137BC1D4BD}" dt="2025-06-12T20:53:05.703" v="2" actId="2696"/>
+        <pc:chgData name="Liam Hill" userId="cf4eacb2-5eb2-4c8d-8100-2f2500eca56b" providerId="ADAL" clId="{82B5AA50-1331-48D2-98CC-5556AEE19395}" dt="2025-06-12T22:19:27.864" v="2" actId="47"/>
         <pc:sldMkLst>
           <pc:docMk/>
           <pc:sldMk cId="2858180068" sldId="352"/>
         </pc:sldMkLst>
       </pc:sldChg>
       <pc:sldChg chg="del">
-        <pc:chgData name="Liam Hill" userId="cf4eacb2-5eb2-4c8d-8100-2f2500eca56b" providerId="ADAL" clId="{03A56546-6F76-4C11-9FDA-67137BC1D4BD}" dt="2025-06-12T20:53:05.703" v="2" actId="2696"/>
+        <pc:chgData name="Liam Hill" userId="cf4eacb2-5eb2-4c8d-8100-2f2500eca56b" providerId="ADAL" clId="{82B5AA50-1331-48D2-98CC-5556AEE19395}" dt="2025-06-12T22:19:27.864" v="2" actId="47"/>
         <pc:sldMkLst>
           <pc:docMk/>
           <pc:sldMk cId="769264280" sldId="353"/>
         </pc:sldMkLst>
       </pc:sldChg>
       <pc:sldChg chg="del">
-        <pc:chgData name="Liam Hill" userId="cf4eacb2-5eb2-4c8d-8100-2f2500eca56b" providerId="ADAL" clId="{03A56546-6F76-4C11-9FDA-67137BC1D4BD}" dt="2025-06-12T20:53:05.703" v="2" actId="2696"/>
+        <pc:chgData name="Liam Hill" userId="cf4eacb2-5eb2-4c8d-8100-2f2500eca56b" providerId="ADAL" clId="{82B5AA50-1331-48D2-98CC-5556AEE19395}" dt="2025-06-12T22:19:27.864" v="2" actId="47"/>
         <pc:sldMkLst>
           <pc:docMk/>
           <pc:sldMk cId="2425737240" sldId="384"/>
         </pc:sldMkLst>
       </pc:sldChg>
       <pc:sldChg chg="del">
-        <pc:chgData name="Liam Hill" userId="cf4eacb2-5eb2-4c8d-8100-2f2500eca56b" providerId="ADAL" clId="{03A56546-6F76-4C11-9FDA-67137BC1D4BD}" dt="2025-06-12T20:53:05.703" v="2" actId="2696"/>
+        <pc:chgData name="Liam Hill" userId="cf4eacb2-5eb2-4c8d-8100-2f2500eca56b" providerId="ADAL" clId="{82B5AA50-1331-48D2-98CC-5556AEE19395}" dt="2025-06-12T22:19:27.864" v="2" actId="47"/>
         <pc:sldMkLst>
           <pc:docMk/>
           <pc:sldMk cId="2867310330" sldId="386"/>
         </pc:sldMkLst>
       </pc:sldChg>
       <pc:sldChg chg="del">
-        <pc:chgData name="Liam Hill" userId="cf4eacb2-5eb2-4c8d-8100-2f2500eca56b" providerId="ADAL" clId="{03A56546-6F76-4C11-9FDA-67137BC1D4BD}" dt="2025-06-12T20:53:05.703" v="2" actId="2696"/>
+        <pc:chgData name="Liam Hill" userId="cf4eacb2-5eb2-4c8d-8100-2f2500eca56b" providerId="ADAL" clId="{82B5AA50-1331-48D2-98CC-5556AEE19395}" dt="2025-06-12T22:19:27.864" v="2" actId="47"/>
         <pc:sldMkLst>
           <pc:docMk/>
           <pc:sldMk cId="3941781229" sldId="409"/>
         </pc:sldMkLst>
       </pc:sldChg>
       <pc:sldChg chg="del">
-        <pc:chgData name="Liam Hill" userId="cf4eacb2-5eb2-4c8d-8100-2f2500eca56b" providerId="ADAL" clId="{03A56546-6F76-4C11-9FDA-67137BC1D4BD}" dt="2025-06-12T20:53:05.703" v="2" actId="2696"/>
+        <pc:chgData name="Liam Hill" userId="cf4eacb2-5eb2-4c8d-8100-2f2500eca56b" providerId="ADAL" clId="{82B5AA50-1331-48D2-98CC-5556AEE19395}" dt="2025-06-12T22:19:27.864" v="2" actId="47"/>
         <pc:sldMkLst>
           <pc:docMk/>
           <pc:sldMk cId="3825032302" sldId="410"/>
         </pc:sldMkLst>
       </pc:sldChg>
       <pc:sldChg chg="del">
-        <pc:chgData name="Liam Hill" userId="cf4eacb2-5eb2-4c8d-8100-2f2500eca56b" providerId="ADAL" clId="{03A56546-6F76-4C11-9FDA-67137BC1D4BD}" dt="2025-06-12T20:53:05.703" v="2" actId="2696"/>
+        <pc:chgData name="Liam Hill" userId="cf4eacb2-5eb2-4c8d-8100-2f2500eca56b" providerId="ADAL" clId="{82B5AA50-1331-48D2-98CC-5556AEE19395}" dt="2025-06-12T22:19:27.864" v="2" actId="47"/>
         <pc:sldMkLst>
           <pc:docMk/>
           <pc:sldMk cId="741990374" sldId="412"/>
         </pc:sldMkLst>
       </pc:sldChg>
       <pc:sldChg chg="del">
-        <pc:chgData name="Liam Hill" userId="cf4eacb2-5eb2-4c8d-8100-2f2500eca56b" providerId="ADAL" clId="{03A56546-6F76-4C11-9FDA-67137BC1D4BD}" dt="2025-06-12T20:53:05.703" v="2" actId="2696"/>
+        <pc:chgData name="Liam Hill" userId="cf4eacb2-5eb2-4c8d-8100-2f2500eca56b" providerId="ADAL" clId="{82B5AA50-1331-48D2-98CC-5556AEE19395}" dt="2025-06-12T22:19:27.864" v="2" actId="47"/>
         <pc:sldMkLst>
           <pc:docMk/>
           <pc:sldMk cId="2470707498" sldId="413"/>
         </pc:sldMkLst>
       </pc:sldChg>
       <pc:sldChg chg="del">
-        <pc:chgData name="Liam Hill" userId="cf4eacb2-5eb2-4c8d-8100-2f2500eca56b" providerId="ADAL" clId="{03A56546-6F76-4C11-9FDA-67137BC1D4BD}" dt="2025-06-12T20:53:05.703" v="2" actId="2696"/>
+        <pc:chgData name="Liam Hill" userId="cf4eacb2-5eb2-4c8d-8100-2f2500eca56b" providerId="ADAL" clId="{82B5AA50-1331-48D2-98CC-5556AEE19395}" dt="2025-06-12T22:19:27.864" v="2" actId="47"/>
         <pc:sldMkLst>
           <pc:docMk/>
           <pc:sldMk cId="3754412307" sldId="414"/>
         </pc:sldMkLst>
       </pc:sldChg>
       <pc:sldChg chg="del">
-        <pc:chgData name="Liam Hill" userId="cf4eacb2-5eb2-4c8d-8100-2f2500eca56b" providerId="ADAL" clId="{03A56546-6F76-4C11-9FDA-67137BC1D4BD}" dt="2025-06-12T20:53:05.703" v="2" actId="2696"/>
+        <pc:chgData name="Liam Hill" userId="cf4eacb2-5eb2-4c8d-8100-2f2500eca56b" providerId="ADAL" clId="{82B5AA50-1331-48D2-98CC-5556AEE19395}" dt="2025-06-12T22:19:27.864" v="2" actId="47"/>
         <pc:sldMkLst>
           <pc:docMk/>
           <pc:sldMk cId="2057896183" sldId="454"/>
         </pc:sldMkLst>
       </pc:sldChg>
       <pc:sldChg chg="del">
-        <pc:chgData name="Liam Hill" userId="cf4eacb2-5eb2-4c8d-8100-2f2500eca56b" providerId="ADAL" clId="{03A56546-6F76-4C11-9FDA-67137BC1D4BD}" dt="2025-06-12T20:53:05.703" v="2" actId="2696"/>
+        <pc:chgData name="Liam Hill" userId="cf4eacb2-5eb2-4c8d-8100-2f2500eca56b" providerId="ADAL" clId="{82B5AA50-1331-48D2-98CC-5556AEE19395}" dt="2025-06-12T22:19:27.864" v="2" actId="47"/>
         <pc:sldMkLst>
           <pc:docMk/>
           <pc:sldMk cId="3622454126" sldId="455"/>
         </pc:sldMkLst>
       </pc:sldChg>
       <pc:sldChg chg="del">
-        <pc:chgData name="Liam Hill" userId="cf4eacb2-5eb2-4c8d-8100-2f2500eca56b" providerId="ADAL" clId="{03A56546-6F76-4C11-9FDA-67137BC1D4BD}" dt="2025-06-12T20:53:05.703" v="2" actId="2696"/>
+        <pc:chgData name="Liam Hill" userId="cf4eacb2-5eb2-4c8d-8100-2f2500eca56b" providerId="ADAL" clId="{82B5AA50-1331-48D2-98CC-5556AEE19395}" dt="2025-06-12T22:19:27.864" v="2" actId="47"/>
         <pc:sldMkLst>
           <pc:docMk/>
           <pc:sldMk cId="2697903982" sldId="456"/>
         </pc:sldMkLst>
       </pc:sldChg>
       <pc:sldChg chg="del">
-        <pc:chgData name="Liam Hill" userId="cf4eacb2-5eb2-4c8d-8100-2f2500eca56b" providerId="ADAL" clId="{03A56546-6F76-4C11-9FDA-67137BC1D4BD}" dt="2025-06-12T20:53:05.703" v="2" actId="2696"/>
+        <pc:chgData name="Liam Hill" userId="cf4eacb2-5eb2-4c8d-8100-2f2500eca56b" providerId="ADAL" clId="{82B5AA50-1331-48D2-98CC-5556AEE19395}" dt="2025-06-12T22:19:27.864" v="2" actId="47"/>
         <pc:sldMkLst>
           <pc:docMk/>
           <pc:sldMk cId="3919216018" sldId="458"/>
         </pc:sldMkLst>
       </pc:sldChg>
       <pc:sldMasterChg chg="del delSldLayout">
-        <pc:chgData name="Liam Hill" userId="cf4eacb2-5eb2-4c8d-8100-2f2500eca56b" providerId="ADAL" clId="{03A56546-6F76-4C11-9FDA-67137BC1D4BD}" dt="2025-06-12T20:53:05.703" v="2" actId="2696"/>
+        <pc:chgData name="Liam Hill" userId="cf4eacb2-5eb2-4c8d-8100-2f2500eca56b" providerId="ADAL" clId="{82B5AA50-1331-48D2-98CC-5556AEE19395}" dt="2025-06-12T22:19:27.864" v="2" actId="47"/>
         <pc:sldMasterMkLst>
           <pc:docMk/>
           <pc:sldMasterMk cId="3610020205" sldId="2147483671"/>
         </pc:sldMasterMkLst>
         <pc:sldLayoutChg chg="del">
-          <pc:chgData name="Liam Hill" userId="cf4eacb2-5eb2-4c8d-8100-2f2500eca56b" providerId="ADAL" clId="{03A56546-6F76-4C11-9FDA-67137BC1D4BD}" dt="2025-06-12T20:53:05.703" v="2" actId="2696"/>
+          <pc:chgData name="Liam Hill" userId="cf4eacb2-5eb2-4c8d-8100-2f2500eca56b" providerId="ADAL" clId="{82B5AA50-1331-48D2-98CC-5556AEE19395}" dt="2025-06-12T22:19:27.864" v="2" actId="47"/>
           <pc:sldLayoutMkLst>
             <pc:docMk/>
             <pc:sldMasterMk cId="3610020205" sldId="2147483671"/>
@@ -318,7 +318,7 @@
           </pc:sldLayoutMkLst>
         </pc:sldLayoutChg>
         <pc:sldLayoutChg chg="del">
-          <pc:chgData name="Liam Hill" userId="cf4eacb2-5eb2-4c8d-8100-2f2500eca56b" providerId="ADAL" clId="{03A56546-6F76-4C11-9FDA-67137BC1D4BD}" dt="2025-06-12T20:53:05.703" v="2" actId="2696"/>
+          <pc:chgData name="Liam Hill" userId="cf4eacb2-5eb2-4c8d-8100-2f2500eca56b" providerId="ADAL" clId="{82B5AA50-1331-48D2-98CC-5556AEE19395}" dt="2025-06-12T22:19:27.864" v="2" actId="47"/>
           <pc:sldLayoutMkLst>
             <pc:docMk/>
             <pc:sldMasterMk cId="3610020205" sldId="2147483671"/>
@@ -326,7 +326,7 @@
           </pc:sldLayoutMkLst>
         </pc:sldLayoutChg>
         <pc:sldLayoutChg chg="del">
-          <pc:chgData name="Liam Hill" userId="cf4eacb2-5eb2-4c8d-8100-2f2500eca56b" providerId="ADAL" clId="{03A56546-6F76-4C11-9FDA-67137BC1D4BD}" dt="2025-06-12T20:53:05.703" v="2" actId="2696"/>
+          <pc:chgData name="Liam Hill" userId="cf4eacb2-5eb2-4c8d-8100-2f2500eca56b" providerId="ADAL" clId="{82B5AA50-1331-48D2-98CC-5556AEE19395}" dt="2025-06-12T22:19:27.864" v="2" actId="47"/>
           <pc:sldLayoutMkLst>
             <pc:docMk/>
             <pc:sldMasterMk cId="3610020205" sldId="2147483671"/>
@@ -334,7 +334,7 @@
           </pc:sldLayoutMkLst>
         </pc:sldLayoutChg>
         <pc:sldLayoutChg chg="del">
-          <pc:chgData name="Liam Hill" userId="cf4eacb2-5eb2-4c8d-8100-2f2500eca56b" providerId="ADAL" clId="{03A56546-6F76-4C11-9FDA-67137BC1D4BD}" dt="2025-06-12T20:53:05.703" v="2" actId="2696"/>
+          <pc:chgData name="Liam Hill" userId="cf4eacb2-5eb2-4c8d-8100-2f2500eca56b" providerId="ADAL" clId="{82B5AA50-1331-48D2-98CC-5556AEE19395}" dt="2025-06-12T22:19:27.864" v="2" actId="47"/>
           <pc:sldLayoutMkLst>
             <pc:docMk/>
             <pc:sldMasterMk cId="3610020205" sldId="2147483671"/>
@@ -342,7 +342,7 @@
           </pc:sldLayoutMkLst>
         </pc:sldLayoutChg>
         <pc:sldLayoutChg chg="del">
-          <pc:chgData name="Liam Hill" userId="cf4eacb2-5eb2-4c8d-8100-2f2500eca56b" providerId="ADAL" clId="{03A56546-6F76-4C11-9FDA-67137BC1D4BD}" dt="2025-06-12T20:53:05.703" v="2" actId="2696"/>
+          <pc:chgData name="Liam Hill" userId="cf4eacb2-5eb2-4c8d-8100-2f2500eca56b" providerId="ADAL" clId="{82B5AA50-1331-48D2-98CC-5556AEE19395}" dt="2025-06-12T22:19:27.864" v="2" actId="47"/>
           <pc:sldLayoutMkLst>
             <pc:docMk/>
             <pc:sldMasterMk cId="3610020205" sldId="2147483671"/>
@@ -350,7 +350,7 @@
           </pc:sldLayoutMkLst>
         </pc:sldLayoutChg>
         <pc:sldLayoutChg chg="del">
-          <pc:chgData name="Liam Hill" userId="cf4eacb2-5eb2-4c8d-8100-2f2500eca56b" providerId="ADAL" clId="{03A56546-6F76-4C11-9FDA-67137BC1D4BD}" dt="2025-06-12T20:53:05.703" v="2" actId="2696"/>
+          <pc:chgData name="Liam Hill" userId="cf4eacb2-5eb2-4c8d-8100-2f2500eca56b" providerId="ADAL" clId="{82B5AA50-1331-48D2-98CC-5556AEE19395}" dt="2025-06-12T22:19:27.864" v="2" actId="47"/>
           <pc:sldLayoutMkLst>
             <pc:docMk/>
             <pc:sldMasterMk cId="3610020205" sldId="2147483671"/>
@@ -358,7 +358,7 @@
           </pc:sldLayoutMkLst>
         </pc:sldLayoutChg>
         <pc:sldLayoutChg chg="del">
-          <pc:chgData name="Liam Hill" userId="cf4eacb2-5eb2-4c8d-8100-2f2500eca56b" providerId="ADAL" clId="{03A56546-6F76-4C11-9FDA-67137BC1D4BD}" dt="2025-06-12T20:53:05.703" v="2" actId="2696"/>
+          <pc:chgData name="Liam Hill" userId="cf4eacb2-5eb2-4c8d-8100-2f2500eca56b" providerId="ADAL" clId="{82B5AA50-1331-48D2-98CC-5556AEE19395}" dt="2025-06-12T22:19:27.864" v="2" actId="47"/>
           <pc:sldLayoutMkLst>
             <pc:docMk/>
             <pc:sldMasterMk cId="3610020205" sldId="2147483671"/>
@@ -366,7 +366,7 @@
           </pc:sldLayoutMkLst>
         </pc:sldLayoutChg>
         <pc:sldLayoutChg chg="del">
-          <pc:chgData name="Liam Hill" userId="cf4eacb2-5eb2-4c8d-8100-2f2500eca56b" providerId="ADAL" clId="{03A56546-6F76-4C11-9FDA-67137BC1D4BD}" dt="2025-06-12T20:53:05.703" v="2" actId="2696"/>
+          <pc:chgData name="Liam Hill" userId="cf4eacb2-5eb2-4c8d-8100-2f2500eca56b" providerId="ADAL" clId="{82B5AA50-1331-48D2-98CC-5556AEE19395}" dt="2025-06-12T22:19:27.864" v="2" actId="47"/>
           <pc:sldLayoutMkLst>
             <pc:docMk/>
             <pc:sldMasterMk cId="3610020205" sldId="2147483671"/>
@@ -374,7 +374,7 @@
           </pc:sldLayoutMkLst>
         </pc:sldLayoutChg>
         <pc:sldLayoutChg chg="del">
-          <pc:chgData name="Liam Hill" userId="cf4eacb2-5eb2-4c8d-8100-2f2500eca56b" providerId="ADAL" clId="{03A56546-6F76-4C11-9FDA-67137BC1D4BD}" dt="2025-06-12T20:53:05.703" v="2" actId="2696"/>
+          <pc:chgData name="Liam Hill" userId="cf4eacb2-5eb2-4c8d-8100-2f2500eca56b" providerId="ADAL" clId="{82B5AA50-1331-48D2-98CC-5556AEE19395}" dt="2025-06-12T22:19:27.864" v="2" actId="47"/>
           <pc:sldLayoutMkLst>
             <pc:docMk/>
             <pc:sldMasterMk cId="3610020205" sldId="2147483671"/>
@@ -382,7 +382,7 @@
           </pc:sldLayoutMkLst>
         </pc:sldLayoutChg>
         <pc:sldLayoutChg chg="del">
-          <pc:chgData name="Liam Hill" userId="cf4eacb2-5eb2-4c8d-8100-2f2500eca56b" providerId="ADAL" clId="{03A56546-6F76-4C11-9FDA-67137BC1D4BD}" dt="2025-06-12T20:53:05.703" v="2" actId="2696"/>
+          <pc:chgData name="Liam Hill" userId="cf4eacb2-5eb2-4c8d-8100-2f2500eca56b" providerId="ADAL" clId="{82B5AA50-1331-48D2-98CC-5556AEE19395}" dt="2025-06-12T22:19:27.864" v="2" actId="47"/>
           <pc:sldLayoutMkLst>
             <pc:docMk/>
             <pc:sldMasterMk cId="3610020205" sldId="2147483671"/>
@@ -390,7 +390,7 @@
           </pc:sldLayoutMkLst>
         </pc:sldLayoutChg>
         <pc:sldLayoutChg chg="del">
-          <pc:chgData name="Liam Hill" userId="cf4eacb2-5eb2-4c8d-8100-2f2500eca56b" providerId="ADAL" clId="{03A56546-6F76-4C11-9FDA-67137BC1D4BD}" dt="2025-06-12T20:53:05.703" v="2" actId="2696"/>
+          <pc:chgData name="Liam Hill" userId="cf4eacb2-5eb2-4c8d-8100-2f2500eca56b" providerId="ADAL" clId="{82B5AA50-1331-48D2-98CC-5556AEE19395}" dt="2025-06-12T22:19:27.864" v="2" actId="47"/>
           <pc:sldLayoutMkLst>
             <pc:docMk/>
             <pc:sldMasterMk cId="3610020205" sldId="2147483671"/>
@@ -398,7 +398,7 @@
           </pc:sldLayoutMkLst>
         </pc:sldLayoutChg>
         <pc:sldLayoutChg chg="del">
-          <pc:chgData name="Liam Hill" userId="cf4eacb2-5eb2-4c8d-8100-2f2500eca56b" providerId="ADAL" clId="{03A56546-6F76-4C11-9FDA-67137BC1D4BD}" dt="2025-06-12T20:53:05.703" v="2" actId="2696"/>
+          <pc:chgData name="Liam Hill" userId="cf4eacb2-5eb2-4c8d-8100-2f2500eca56b" providerId="ADAL" clId="{82B5AA50-1331-48D2-98CC-5556AEE19395}" dt="2025-06-12T22:19:27.864" v="2" actId="47"/>
           <pc:sldLayoutMkLst>
             <pc:docMk/>
             <pc:sldMasterMk cId="3610020205" sldId="2147483671"/>
@@ -406,7 +406,7 @@
           </pc:sldLayoutMkLst>
         </pc:sldLayoutChg>
         <pc:sldLayoutChg chg="del">
-          <pc:chgData name="Liam Hill" userId="cf4eacb2-5eb2-4c8d-8100-2f2500eca56b" providerId="ADAL" clId="{03A56546-6F76-4C11-9FDA-67137BC1D4BD}" dt="2025-06-12T20:53:05.703" v="2" actId="2696"/>
+          <pc:chgData name="Liam Hill" userId="cf4eacb2-5eb2-4c8d-8100-2f2500eca56b" providerId="ADAL" clId="{82B5AA50-1331-48D2-98CC-5556AEE19395}" dt="2025-06-12T22:19:27.864" v="2" actId="47"/>
           <pc:sldLayoutMkLst>
             <pc:docMk/>
             <pc:sldMasterMk cId="3610020205" sldId="2147483671"/>
@@ -414,7 +414,7 @@
           </pc:sldLayoutMkLst>
         </pc:sldLayoutChg>
         <pc:sldLayoutChg chg="del">
-          <pc:chgData name="Liam Hill" userId="cf4eacb2-5eb2-4c8d-8100-2f2500eca56b" providerId="ADAL" clId="{03A56546-6F76-4C11-9FDA-67137BC1D4BD}" dt="2025-06-12T20:53:05.703" v="2" actId="2696"/>
+          <pc:chgData name="Liam Hill" userId="cf4eacb2-5eb2-4c8d-8100-2f2500eca56b" providerId="ADAL" clId="{82B5AA50-1331-48D2-98CC-5556AEE19395}" dt="2025-06-12T22:19:27.864" v="2" actId="47"/>
           <pc:sldLayoutMkLst>
             <pc:docMk/>
             <pc:sldMasterMk cId="3610020205" sldId="2147483671"/>
@@ -422,7 +422,7 @@
           </pc:sldLayoutMkLst>
         </pc:sldLayoutChg>
         <pc:sldLayoutChg chg="del">
-          <pc:chgData name="Liam Hill" userId="cf4eacb2-5eb2-4c8d-8100-2f2500eca56b" providerId="ADAL" clId="{03A56546-6F76-4C11-9FDA-67137BC1D4BD}" dt="2025-06-12T20:53:05.703" v="2" actId="2696"/>
+          <pc:chgData name="Liam Hill" userId="cf4eacb2-5eb2-4c8d-8100-2f2500eca56b" providerId="ADAL" clId="{82B5AA50-1331-48D2-98CC-5556AEE19395}" dt="2025-06-12T22:19:27.864" v="2" actId="47"/>
           <pc:sldLayoutMkLst>
             <pc:docMk/>
             <pc:sldMasterMk cId="3610020205" sldId="2147483671"/>
@@ -430,7 +430,7 @@
           </pc:sldLayoutMkLst>
         </pc:sldLayoutChg>
         <pc:sldLayoutChg chg="del">
-          <pc:chgData name="Liam Hill" userId="cf4eacb2-5eb2-4c8d-8100-2f2500eca56b" providerId="ADAL" clId="{03A56546-6F76-4C11-9FDA-67137BC1D4BD}" dt="2025-06-12T20:53:05.703" v="2" actId="2696"/>
+          <pc:chgData name="Liam Hill" userId="cf4eacb2-5eb2-4c8d-8100-2f2500eca56b" providerId="ADAL" clId="{82B5AA50-1331-48D2-98CC-5556AEE19395}" dt="2025-06-12T22:19:27.864" v="2" actId="47"/>
           <pc:sldLayoutMkLst>
             <pc:docMk/>
             <pc:sldMasterMk cId="3610020205" sldId="2147483671"/>
@@ -13678,8 +13678,8 @@
         </p:nvSpPr>
         <p:spPr>
           <a:xfrm>
-            <a:off x="872732" y="833121"/>
-            <a:ext cx="3586379" cy="1600200"/>
+            <a:off x="872732" y="662890"/>
+            <a:ext cx="8761413" cy="706964"/>
           </a:xfrm>
         </p:spPr>
         <p:txBody>
@@ -13714,85 +13714,77 @@
             <a:spLocks noGrp="1"/>
           </p:cNvSpPr>
           <p:nvPr>
-            <p:ph type="body" sz="half" idx="2"/>
+            <p:ph idx="1"/>
           </p:nvPr>
         </p:nvSpPr>
         <p:spPr>
           <a:xfrm>
-            <a:off x="930392" y="2252699"/>
-            <a:ext cx="3686764" cy="3628812"/>
+            <a:off x="1018316" y="2473807"/>
+            <a:ext cx="8761412" cy="2100100"/>
           </a:xfrm>
         </p:spPr>
         <p:txBody>
           <a:bodyPr>
-            <a:normAutofit fontScale="40000" lnSpcReduction="20000"/>
+            <a:normAutofit fontScale="47500" lnSpcReduction="20000"/>
           </a:bodyPr>
           <a:lstStyle/>
           <a:p>
             <a:r>
-              <a:rPr lang="en-GB" sz="4000" dirty="0">
+              <a:rPr lang="en-GB" sz="4000" b="1" dirty="0">
                 <a:solidFill>
-                  <a:schemeClr val="bg1"/>
+                  <a:srgbClr val="FF0000"/>
                 </a:solidFill>
               </a:rPr>
               <a:t>Is there a “home” vs. “away” advantage in professional sports?</a:t>
             </a:r>
           </a:p>
           <a:p>
-            <a:endParaRPr lang="en-GB" sz="4000" dirty="0">
-              <a:solidFill>
-                <a:schemeClr val="bg1"/>
-              </a:solidFill>
-            </a:endParaRPr>
-          </a:p>
-          <a:p>
             <a:r>
               <a:rPr lang="en-GB" sz="4000" dirty="0">
                 <a:solidFill>
-                  <a:schemeClr val="bg1"/>
+                  <a:schemeClr val="tx1"/>
                 </a:solidFill>
               </a:rPr>
               <a:t>The DV here is categorical, 3 levels: </a:t>
             </a:r>
           </a:p>
           <a:p>
+            <a:pPr lvl="1"/>
             <a:r>
-              <a:rPr lang="en-GB" sz="4000" b="1" i="1" dirty="0">
+              <a:rPr lang="en-GB" sz="3800" b="1" i="1" dirty="0">
                 <a:solidFill>
-                  <a:schemeClr val="bg1"/>
+                  <a:schemeClr val="tx1"/>
                 </a:solidFill>
               </a:rPr>
               <a:t>Result</a:t>
             </a:r>
             <a:r>
-              <a:rPr lang="en-GB" sz="4000" dirty="0">
+              <a:rPr lang="en-GB" sz="3800" dirty="0">
                 <a:solidFill>
-                  <a:schemeClr val="bg1"/>
+                  <a:schemeClr val="tx1"/>
                 </a:solidFill>
               </a:rPr>
               <a:t> [</a:t>
             </a:r>
             <a:r>
-              <a:rPr lang="en-GB" sz="4000" i="1" dirty="0">
+              <a:rPr lang="en-GB" sz="3800" i="1" dirty="0">
                 <a:solidFill>
-                  <a:schemeClr val="bg1"/>
+                  <a:schemeClr val="tx1"/>
                 </a:solidFill>
               </a:rPr>
               <a:t>Win, Lose or Draw</a:t>
             </a:r>
             <a:r>
-              <a:rPr lang="en-GB" sz="4000" dirty="0">
+              <a:rPr lang="en-GB" sz="3800" dirty="0">
                 <a:solidFill>
-                  <a:schemeClr val="bg1"/>
+                  <a:schemeClr val="tx1"/>
                 </a:solidFill>
               </a:rPr>
               <a:t>]</a:t>
             </a:r>
-          </a:p>
-          <a:p>
             <a:endParaRPr lang="en-GB" sz="4000" dirty="0">
               <a:solidFill>
-                <a:schemeClr val="bg1"/>
+                <a:schemeClr val="tx1"/>
               </a:solidFill>
             </a:endParaRPr>
           </a:p>
@@ -13800,39 +13792,42 @@
             <a:r>
               <a:rPr lang="en-GB" sz="4000" dirty="0">
                 <a:solidFill>
-                  <a:schemeClr val="bg1"/>
+                  <a:schemeClr val="tx1"/>
                 </a:solidFill>
               </a:rPr>
               <a:t>The IV is categorical  too, 2 levels: </a:t>
             </a:r>
+          </a:p>
+          <a:p>
+            <a:pPr lvl="1"/>
             <a:r>
-              <a:rPr lang="en-GB" sz="4000" b="1" i="1" dirty="0">
+              <a:rPr lang="en-GB" sz="3800" b="1" i="1" dirty="0">
                 <a:solidFill>
-                  <a:schemeClr val="bg1"/>
+                  <a:schemeClr val="tx1"/>
                 </a:solidFill>
               </a:rPr>
               <a:t>Location </a:t>
             </a:r>
             <a:r>
-              <a:rPr lang="en-GB" sz="4000" dirty="0">
+              <a:rPr lang="en-GB" sz="3800" dirty="0">
                 <a:solidFill>
-                  <a:schemeClr val="bg1"/>
+                  <a:schemeClr val="tx1"/>
                 </a:solidFill>
               </a:rPr>
               <a:t>[</a:t>
             </a:r>
             <a:r>
-              <a:rPr lang="en-GB" sz="4000" i="1" dirty="0">
+              <a:rPr lang="en-GB" sz="3800" i="1" dirty="0">
                 <a:solidFill>
-                  <a:schemeClr val="bg1"/>
+                  <a:schemeClr val="tx1"/>
                 </a:solidFill>
               </a:rPr>
               <a:t>Home or Away</a:t>
             </a:r>
             <a:r>
-              <a:rPr lang="en-GB" sz="4000" dirty="0">
+              <a:rPr lang="en-GB" sz="3800" dirty="0">
                 <a:solidFill>
-                  <a:schemeClr val="bg1"/>
+                  <a:schemeClr val="tx1"/>
                 </a:solidFill>
               </a:rPr>
               <a:t>] </a:t>
@@ -13841,41 +13836,9 @@
           <a:p>
             <a:endParaRPr lang="en-GB" sz="4000" dirty="0">
               <a:solidFill>
-                <a:schemeClr val="bg1"/>
+                <a:schemeClr val="tx1"/>
               </a:solidFill>
             </a:endParaRPr>
-          </a:p>
-          <a:p>
-            <a:r>
-              <a:rPr lang="en-GB" sz="4000" dirty="0">
-                <a:solidFill>
-                  <a:schemeClr val="bg1"/>
-                </a:solidFill>
-              </a:rPr>
-              <a:t>Why is there such an advantage? </a:t>
-            </a:r>
-          </a:p>
-          <a:p>
-            <a:r>
-              <a:rPr lang="en-GB" sz="4000" dirty="0"/>
-              <a:t>(</a:t>
-            </a:r>
-            <a:r>
-              <a:rPr lang="en-GB" sz="4000" dirty="0">
-                <a:hlinkClick r:id="rId2">
-                  <a:extLst>
-                    <a:ext uri="{A12FA001-AC4F-418D-AE19-62706E023703}">
-                      <ahyp:hlinkClr xmlns:ahyp="http://schemas.microsoft.com/office/drawing/2018/hyperlinkcolor" val="tx"/>
-                    </a:ext>
-                  </a:extLst>
-                </a:hlinkClick>
-              </a:rPr>
-              <a:t>McCarrick et al., 2021</a:t>
-            </a:r>
-            <a:r>
-              <a:rPr lang="en-GB" sz="4000" dirty="0"/>
-              <a:t>)</a:t>
-            </a:r>
           </a:p>
           <a:p>
             <a:endParaRPr lang="en-GB" dirty="0"/>
@@ -13919,63 +13882,252 @@
                 <a:solidFill>
                   <a:schemeClr val="tx2"/>
                 </a:solidFill>
-                <a:hlinkClick r:id="rId3">
-                  <a:extLst>
-                    <a:ext uri="{A12FA001-AC4F-418D-AE19-62706E023703}">
-                      <ahyp:hlinkClr xmlns:ahyp="http://schemas.microsoft.com/office/drawing/2018/hyperlinkcolor" val="tx"/>
-                    </a:ext>
-                  </a:extLst>
-                </a:hlinkClick>
               </a:rPr>
-              <a:t>https://www.soccerstats.com/homeaway.asp?league=england</a:t>
-            </a:r>
-            <a:r>
-              <a:rPr lang="en-GB" sz="1400" dirty="0">
-                <a:solidFill>
-                  <a:schemeClr val="tx2"/>
-                </a:solidFill>
-              </a:rPr>
-              <a:t> </a:t>
+              <a:t>https://www.statmuse.com/fc/ask/newcastle-record-home-and-away</a:t>
             </a:r>
           </a:p>
         </p:txBody>
       </p:sp>
-      <p:pic>
-        <p:nvPicPr>
-          <p:cNvPr id="10" name="Picture 9">
+      <p:grpSp>
+        <p:nvGrpSpPr>
+          <p:cNvPr id="29" name="Group 28">
             <a:extLst>
               <a:ext uri="{FF2B5EF4-FFF2-40B4-BE49-F238E27FC236}">
-                <a16:creationId xmlns:a16="http://schemas.microsoft.com/office/drawing/2014/main" id="{B3FC32FD-A7F4-4B26-B7FB-1D63FE5F1CBB}"/>
+                <a16:creationId xmlns:a16="http://schemas.microsoft.com/office/drawing/2014/main" id="{F7166D12-979B-42F0-8D36-56823A882A51}"/>
               </a:ext>
             </a:extLst>
           </p:cNvPr>
-          <p:cNvPicPr>
-            <a:picLocks noChangeAspect="1"/>
-          </p:cNvPicPr>
+          <p:cNvGrpSpPr/>
           <p:nvPr/>
-        </p:nvPicPr>
-        <p:blipFill>
-          <a:blip r:embed="rId4"/>
-          <a:stretch>
-            <a:fillRect/>
-          </a:stretch>
-        </p:blipFill>
-        <p:spPr>
+        </p:nvGrpSpPr>
+        <p:grpSpPr>
           <a:xfrm>
-            <a:off x="5179104" y="1439898"/>
-            <a:ext cx="6677343" cy="4605301"/>
+            <a:off x="2278199" y="4625870"/>
+            <a:ext cx="9869971" cy="1630691"/>
+            <a:chOff x="2278199" y="4625870"/>
+            <a:chExt cx="9869971" cy="1630691"/>
           </a:xfrm>
-          <a:prstGeom prst="rect">
-            <a:avLst/>
-          </a:prstGeom>
-        </p:spPr>
-      </p:pic>
+        </p:grpSpPr>
+        <p:pic>
+          <p:nvPicPr>
+            <p:cNvPr id="6" name="Picture 5">
+              <a:extLst>
+                <a:ext uri="{FF2B5EF4-FFF2-40B4-BE49-F238E27FC236}">
+                  <a16:creationId xmlns:a16="http://schemas.microsoft.com/office/drawing/2014/main" id="{E305EB99-F6F6-48B3-AF76-CD35ACDE5929}"/>
+                </a:ext>
+              </a:extLst>
+            </p:cNvPr>
+            <p:cNvPicPr>
+              <a:picLocks noChangeAspect="1"/>
+            </p:cNvPicPr>
+            <p:nvPr/>
+          </p:nvPicPr>
+          <p:blipFill>
+            <a:blip r:embed="rId2"/>
+            <a:stretch>
+              <a:fillRect/>
+            </a:stretch>
+          </p:blipFill>
+          <p:spPr>
+            <a:xfrm>
+              <a:off x="2278199" y="4625870"/>
+              <a:ext cx="5677536" cy="1630691"/>
+            </a:xfrm>
+            <a:prstGeom prst="rect">
+              <a:avLst/>
+            </a:prstGeom>
+          </p:spPr>
+        </p:pic>
+        <p:sp>
+          <p:nvSpPr>
+            <p:cNvPr id="11" name="Rectangle 10">
+              <a:extLst>
+                <a:ext uri="{FF2B5EF4-FFF2-40B4-BE49-F238E27FC236}">
+                  <a16:creationId xmlns:a16="http://schemas.microsoft.com/office/drawing/2014/main" id="{53DDEE02-E1C8-433A-BC27-5C33EFD738E8}"/>
+                </a:ext>
+              </a:extLst>
+            </p:cNvPr>
+            <p:cNvSpPr/>
+            <p:nvPr/>
+          </p:nvSpPr>
+          <p:spPr>
+            <a:xfrm>
+              <a:off x="7018313" y="5144378"/>
+              <a:ext cx="1240450" cy="449294"/>
+            </a:xfrm>
+            <a:prstGeom prst="rect">
+              <a:avLst/>
+            </a:prstGeom>
+            <a:solidFill>
+              <a:schemeClr val="accent1">
+                <a:alpha val="25000"/>
+              </a:schemeClr>
+            </a:solidFill>
+          </p:spPr>
+          <p:style>
+            <a:lnRef idx="2">
+              <a:schemeClr val="accent1">
+                <a:shade val="50000"/>
+              </a:schemeClr>
+            </a:lnRef>
+            <a:fillRef idx="1">
+              <a:schemeClr val="accent1"/>
+            </a:fillRef>
+            <a:effectRef idx="0">
+              <a:schemeClr val="accent1"/>
+            </a:effectRef>
+            <a:fontRef idx="minor">
+              <a:schemeClr val="lt1"/>
+            </a:fontRef>
+          </p:style>
+          <p:txBody>
+            <a:bodyPr rtlCol="0" anchor="ctr"/>
+            <a:lstStyle/>
+            <a:p>
+              <a:pPr algn="ctr"/>
+              <a:endParaRPr lang="en-GB"/>
+            </a:p>
+          </p:txBody>
+        </p:sp>
+        <p:sp>
+          <p:nvSpPr>
+            <p:cNvPr id="12" name="Rectangle 11">
+              <a:extLst>
+                <a:ext uri="{FF2B5EF4-FFF2-40B4-BE49-F238E27FC236}">
+                  <a16:creationId xmlns:a16="http://schemas.microsoft.com/office/drawing/2014/main" id="{8ED81BE7-7CA9-45DA-876E-CBC8A18927EE}"/>
+                </a:ext>
+              </a:extLst>
+            </p:cNvPr>
+            <p:cNvSpPr/>
+            <p:nvPr/>
+          </p:nvSpPr>
+          <p:spPr>
+            <a:xfrm>
+              <a:off x="7018313" y="5656962"/>
+              <a:ext cx="1240450" cy="449294"/>
+            </a:xfrm>
+            <a:prstGeom prst="rect">
+              <a:avLst/>
+            </a:prstGeom>
+            <a:solidFill>
+              <a:schemeClr val="accent3">
+                <a:alpha val="25000"/>
+              </a:schemeClr>
+            </a:solidFill>
+          </p:spPr>
+          <p:style>
+            <a:lnRef idx="2">
+              <a:schemeClr val="accent3">
+                <a:shade val="50000"/>
+              </a:schemeClr>
+            </a:lnRef>
+            <a:fillRef idx="1">
+              <a:schemeClr val="accent3"/>
+            </a:fillRef>
+            <a:effectRef idx="0">
+              <a:schemeClr val="accent3"/>
+            </a:effectRef>
+            <a:fontRef idx="minor">
+              <a:schemeClr val="lt1"/>
+            </a:fontRef>
+          </p:style>
+          <p:txBody>
+            <a:bodyPr rtlCol="0" anchor="ctr"/>
+            <a:lstStyle/>
+            <a:p>
+              <a:pPr algn="ctr"/>
+              <a:endParaRPr lang="en-GB"/>
+            </a:p>
+          </p:txBody>
+        </p:sp>
+        <p:cxnSp>
+          <p:nvCxnSpPr>
+            <p:cNvPr id="14" name="Connector: Elbow 13">
+              <a:extLst>
+                <a:ext uri="{FF2B5EF4-FFF2-40B4-BE49-F238E27FC236}">
+                  <a16:creationId xmlns:a16="http://schemas.microsoft.com/office/drawing/2014/main" id="{35CEE259-0AF1-4090-B93B-17FB214AB26B}"/>
+                </a:ext>
+              </a:extLst>
+            </p:cNvPr>
+            <p:cNvCxnSpPr>
+              <a:cxnSpLocks/>
+              <a:stCxn id="11" idx="3"/>
+              <a:endCxn id="12" idx="3"/>
+            </p:cNvCxnSpPr>
+            <p:nvPr/>
+          </p:nvCxnSpPr>
+          <p:spPr>
+            <a:xfrm>
+              <a:off x="8258763" y="5369025"/>
+              <a:ext cx="12700" cy="512584"/>
+            </a:xfrm>
+            <a:prstGeom prst="bentConnector3">
+              <a:avLst>
+                <a:gd name="adj1" fmla="val 1800000"/>
+              </a:avLst>
+            </a:prstGeom>
+            <a:ln>
+              <a:headEnd type="triangle"/>
+              <a:tailEnd type="triangle"/>
+            </a:ln>
+          </p:spPr>
+          <p:style>
+            <a:lnRef idx="1">
+              <a:schemeClr val="dk1"/>
+            </a:lnRef>
+            <a:fillRef idx="0">
+              <a:schemeClr val="dk1"/>
+            </a:fillRef>
+            <a:effectRef idx="0">
+              <a:schemeClr val="dk1"/>
+            </a:effectRef>
+            <a:fontRef idx="minor">
+              <a:schemeClr val="tx1"/>
+            </a:fontRef>
+          </p:style>
+        </p:cxnSp>
+        <p:sp>
+          <p:nvSpPr>
+            <p:cNvPr id="16" name="TextBox 15">
+              <a:extLst>
+                <a:ext uri="{FF2B5EF4-FFF2-40B4-BE49-F238E27FC236}">
+                  <a16:creationId xmlns:a16="http://schemas.microsoft.com/office/drawing/2014/main" id="{73352820-B94C-4294-9E3B-F5D3FF2D7EC3}"/>
+                </a:ext>
+              </a:extLst>
+            </p:cNvPr>
+            <p:cNvSpPr txBox="1"/>
+            <p:nvPr/>
+          </p:nvSpPr>
+          <p:spPr>
+            <a:xfrm>
+              <a:off x="8561791" y="5472296"/>
+              <a:ext cx="3586379" cy="369332"/>
+            </a:xfrm>
+            <a:prstGeom prst="rect">
+              <a:avLst/>
+            </a:prstGeom>
+            <a:noFill/>
+          </p:spPr>
+          <p:txBody>
+            <a:bodyPr wrap="square" rtlCol="0">
+              <a:spAutoFit/>
+            </a:bodyPr>
+            <a:lstStyle/>
+            <a:p>
+              <a:r>
+                <a:rPr lang="en-GB" dirty="0"/>
+                <a:t>Do these distributions differ?</a:t>
+              </a:r>
+            </a:p>
+          </p:txBody>
+        </p:sp>
+      </p:grpSp>
       <p:sp>
         <p:nvSpPr>
-          <p:cNvPr id="11" name="Rectangle 10">
+          <p:cNvPr id="28" name="Rectangle: Rounded Corners 27">
             <a:extLst>
               <a:ext uri="{FF2B5EF4-FFF2-40B4-BE49-F238E27FC236}">
-                <a16:creationId xmlns:a16="http://schemas.microsoft.com/office/drawing/2014/main" id="{53DDEE02-E1C8-433A-BC27-5C33EFD738E8}"/>
+                <a16:creationId xmlns:a16="http://schemas.microsoft.com/office/drawing/2014/main" id="{9420C83B-DB5B-4615-B8A9-8488672D9654}"/>
               </a:ext>
             </a:extLst>
           </p:cNvPr>
@@ -13984,17 +14136,12 @@
         </p:nvSpPr>
         <p:spPr>
           <a:xfrm>
-            <a:off x="6671733" y="1633221"/>
-            <a:ext cx="496711" cy="4372468"/>
+            <a:off x="8561791" y="4118700"/>
+            <a:ext cx="3330223" cy="962378"/>
           </a:xfrm>
-          <a:prstGeom prst="rect">
+          <a:prstGeom prst="roundRect">
             <a:avLst/>
           </a:prstGeom>
-          <a:solidFill>
-            <a:schemeClr val="accent1">
-              <a:alpha val="25000"/>
-            </a:schemeClr>
-          </a:solidFill>
         </p:spPr>
         <p:style>
           <a:lnRef idx="2">
@@ -14017,138 +14164,45 @@
           <a:lstStyle/>
           <a:p>
             <a:pPr algn="ctr"/>
-            <a:endParaRPr lang="en-GB"/>
-          </a:p>
-        </p:txBody>
-      </p:sp>
-      <p:sp>
-        <p:nvSpPr>
-          <p:cNvPr id="12" name="Rectangle 11">
-            <a:extLst>
-              <a:ext uri="{FF2B5EF4-FFF2-40B4-BE49-F238E27FC236}">
-                <a16:creationId xmlns:a16="http://schemas.microsoft.com/office/drawing/2014/main" id="{8ED81BE7-7CA9-45DA-876E-CBC8A18927EE}"/>
-              </a:ext>
-            </a:extLst>
-          </p:cNvPr>
-          <p:cNvSpPr/>
-          <p:nvPr/>
-        </p:nvSpPr>
-        <p:spPr>
-          <a:xfrm>
-            <a:off x="10097910" y="1633221"/>
-            <a:ext cx="496711" cy="4372468"/>
-          </a:xfrm>
-          <a:prstGeom prst="rect">
-            <a:avLst/>
-          </a:prstGeom>
-          <a:solidFill>
-            <a:schemeClr val="accent3">
-              <a:alpha val="25000"/>
-            </a:schemeClr>
-          </a:solidFill>
-        </p:spPr>
-        <p:style>
-          <a:lnRef idx="2">
-            <a:schemeClr val="accent3">
-              <a:shade val="50000"/>
-            </a:schemeClr>
-          </a:lnRef>
-          <a:fillRef idx="1">
-            <a:schemeClr val="accent3"/>
-          </a:fillRef>
-          <a:effectRef idx="0">
-            <a:schemeClr val="accent3"/>
-          </a:effectRef>
-          <a:fontRef idx="minor">
-            <a:schemeClr val="lt1"/>
-          </a:fontRef>
-        </p:style>
-        <p:txBody>
-          <a:bodyPr rtlCol="0" anchor="ctr"/>
-          <a:lstStyle/>
-          <a:p>
-            <a:pPr algn="ctr"/>
-            <a:endParaRPr lang="en-GB"/>
-          </a:p>
-        </p:txBody>
-      </p:sp>
-      <p:cxnSp>
-        <p:nvCxnSpPr>
-          <p:cNvPr id="14" name="Connector: Elbow 13">
-            <a:extLst>
-              <a:ext uri="{FF2B5EF4-FFF2-40B4-BE49-F238E27FC236}">
-                <a16:creationId xmlns:a16="http://schemas.microsoft.com/office/drawing/2014/main" id="{35CEE259-0AF1-4090-B93B-17FB214AB26B}"/>
-              </a:ext>
-            </a:extLst>
-          </p:cNvPr>
-          <p:cNvCxnSpPr>
-            <a:stCxn id="11" idx="0"/>
-            <a:endCxn id="12" idx="0"/>
-          </p:cNvCxnSpPr>
-          <p:nvPr/>
-        </p:nvCxnSpPr>
-        <p:spPr>
-          <a:xfrm rot="5400000" flipH="1" flipV="1">
-            <a:off x="8633177" y="-79867"/>
-            <a:ext cx="12700" cy="3426177"/>
-          </a:xfrm>
-          <a:prstGeom prst="bentConnector3">
-            <a:avLst>
-              <a:gd name="adj1" fmla="val 5088882"/>
-            </a:avLst>
-          </a:prstGeom>
-          <a:ln>
-            <a:headEnd type="triangle"/>
-            <a:tailEnd type="triangle"/>
-          </a:ln>
-        </p:spPr>
-        <p:style>
-          <a:lnRef idx="1">
-            <a:schemeClr val="dk1"/>
-          </a:lnRef>
-          <a:fillRef idx="0">
-            <a:schemeClr val="dk1"/>
-          </a:fillRef>
-          <a:effectRef idx="0">
-            <a:schemeClr val="dk1"/>
-          </a:effectRef>
-          <a:fontRef idx="minor">
-            <a:schemeClr val="tx1"/>
-          </a:fontRef>
-        </p:style>
-      </p:cxnSp>
-      <p:sp>
-        <p:nvSpPr>
-          <p:cNvPr id="16" name="TextBox 15">
-            <a:extLst>
-              <a:ext uri="{FF2B5EF4-FFF2-40B4-BE49-F238E27FC236}">
-                <a16:creationId xmlns:a16="http://schemas.microsoft.com/office/drawing/2014/main" id="{73352820-B94C-4294-9E3B-F5D3FF2D7EC3}"/>
-              </a:ext>
-            </a:extLst>
-          </p:cNvPr>
-          <p:cNvSpPr txBox="1"/>
-          <p:nvPr/>
-        </p:nvSpPr>
-        <p:spPr>
-          <a:xfrm>
-            <a:off x="7008242" y="592389"/>
-            <a:ext cx="3586379" cy="369332"/>
-          </a:xfrm>
-          <a:prstGeom prst="rect">
-            <a:avLst/>
-          </a:prstGeom>
-          <a:noFill/>
-        </p:spPr>
-        <p:txBody>
-          <a:bodyPr wrap="square" rtlCol="0">
-            <a:spAutoFit/>
-          </a:bodyPr>
-          <a:lstStyle/>
-          <a:p>
             <a:r>
               <a:rPr lang="en-GB" dirty="0"/>
-              <a:t>Do these distributions differ?</a:t>
+              <a:t>Reasons why?</a:t>
             </a:r>
+          </a:p>
+          <a:p>
+            <a:pPr algn="ctr"/>
+            <a:r>
+              <a:rPr lang="en-GB" sz="1800" dirty="0">
+                <a:solidFill>
+                  <a:schemeClr val="tx2"/>
+                </a:solidFill>
+              </a:rPr>
+              <a:t>(</a:t>
+            </a:r>
+            <a:r>
+              <a:rPr lang="en-GB" sz="1800" dirty="0">
+                <a:solidFill>
+                  <a:schemeClr val="tx2"/>
+                </a:solidFill>
+                <a:hlinkClick r:id="rId3">
+                  <a:extLst>
+                    <a:ext uri="{A12FA001-AC4F-418D-AE19-62706E023703}">
+                      <ahyp:hlinkClr xmlns:ahyp="http://schemas.microsoft.com/office/drawing/2018/hyperlinkcolor" val="tx"/>
+                    </a:ext>
+                  </a:extLst>
+                </a:hlinkClick>
+              </a:rPr>
+              <a:t>McCarrick et al., 2021</a:t>
+            </a:r>
+            <a:r>
+              <a:rPr lang="en-GB" sz="1800" dirty="0">
+                <a:solidFill>
+                  <a:schemeClr val="tx2"/>
+                </a:solidFill>
+              </a:rPr>
+              <a:t>)</a:t>
+            </a:r>
+            <a:endParaRPr lang="en-GB" dirty="0"/>
           </a:p>
         </p:txBody>
       </p:sp>
@@ -14162,6 +14216,191 @@
   <p:clrMapOvr>
     <a:masterClrMapping/>
   </p:clrMapOvr>
+  <p:timing>
+    <p:tnLst>
+      <p:par>
+        <p:cTn id="1" dur="indefinite" restart="never" nodeType="tmRoot">
+          <p:childTnLst>
+            <p:seq concurrent="1" nextAc="seek">
+              <p:cTn id="2" dur="indefinite" nodeType="mainSeq">
+                <p:childTnLst>
+                  <p:par>
+                    <p:cTn id="3" fill="hold">
+                      <p:stCondLst>
+                        <p:cond delay="indefinite"/>
+                      </p:stCondLst>
+                      <p:childTnLst>
+                        <p:par>
+                          <p:cTn id="4" fill="hold">
+                            <p:stCondLst>
+                              <p:cond delay="0"/>
+                            </p:stCondLst>
+                            <p:childTnLst>
+                              <p:par>
+                                <p:cTn id="5" presetID="10" presetClass="entr" presetSubtype="0" fill="hold" nodeType="clickEffect">
+                                  <p:stCondLst>
+                                    <p:cond delay="0"/>
+                                  </p:stCondLst>
+                                  <p:childTnLst>
+                                    <p:set>
+                                      <p:cBhvr>
+                                        <p:cTn id="6" dur="1" fill="hold">
+                                          <p:stCondLst>
+                                            <p:cond delay="0"/>
+                                          </p:stCondLst>
+                                        </p:cTn>
+                                        <p:tgtEl>
+                                          <p:spTgt spid="29"/>
+                                        </p:tgtEl>
+                                        <p:attrNameLst>
+                                          <p:attrName>style.visibility</p:attrName>
+                                        </p:attrNameLst>
+                                      </p:cBhvr>
+                                      <p:to>
+                                        <p:strVal val="visible"/>
+                                      </p:to>
+                                    </p:set>
+                                    <p:animEffect transition="in" filter="fade">
+                                      <p:cBhvr>
+                                        <p:cTn id="7" dur="500"/>
+                                        <p:tgtEl>
+                                          <p:spTgt spid="29"/>
+                                        </p:tgtEl>
+                                      </p:cBhvr>
+                                    </p:animEffect>
+                                  </p:childTnLst>
+                                </p:cTn>
+                              </p:par>
+                            </p:childTnLst>
+                          </p:cTn>
+                        </p:par>
+                      </p:childTnLst>
+                    </p:cTn>
+                  </p:par>
+                  <p:par>
+                    <p:cTn id="8" fill="hold">
+                      <p:stCondLst>
+                        <p:cond delay="indefinite"/>
+                      </p:stCondLst>
+                      <p:childTnLst>
+                        <p:par>
+                          <p:cTn id="9" fill="hold">
+                            <p:stCondLst>
+                              <p:cond delay="0"/>
+                            </p:stCondLst>
+                            <p:childTnLst>
+                              <p:par>
+                                <p:cTn id="10" presetID="42" presetClass="entr" presetSubtype="0" fill="hold" grpId="0" nodeType="clickEffect">
+                                  <p:stCondLst>
+                                    <p:cond delay="0"/>
+                                  </p:stCondLst>
+                                  <p:childTnLst>
+                                    <p:set>
+                                      <p:cBhvr>
+                                        <p:cTn id="11" dur="1" fill="hold">
+                                          <p:stCondLst>
+                                            <p:cond delay="0"/>
+                                          </p:stCondLst>
+                                        </p:cTn>
+                                        <p:tgtEl>
+                                          <p:spTgt spid="28"/>
+                                        </p:tgtEl>
+                                        <p:attrNameLst>
+                                          <p:attrName>style.visibility</p:attrName>
+                                        </p:attrNameLst>
+                                      </p:cBhvr>
+                                      <p:to>
+                                        <p:strVal val="visible"/>
+                                      </p:to>
+                                    </p:set>
+                                    <p:animEffect transition="in" filter="fade">
+                                      <p:cBhvr>
+                                        <p:cTn id="12" dur="1000"/>
+                                        <p:tgtEl>
+                                          <p:spTgt spid="28"/>
+                                        </p:tgtEl>
+                                      </p:cBhvr>
+                                    </p:animEffect>
+                                    <p:anim calcmode="lin" valueType="num">
+                                      <p:cBhvr>
+                                        <p:cTn id="13" dur="1000" fill="hold"/>
+                                        <p:tgtEl>
+                                          <p:spTgt spid="28"/>
+                                        </p:tgtEl>
+                                        <p:attrNameLst>
+                                          <p:attrName>ppt_x</p:attrName>
+                                        </p:attrNameLst>
+                                      </p:cBhvr>
+                                      <p:tavLst>
+                                        <p:tav tm="0">
+                                          <p:val>
+                                            <p:strVal val="#ppt_x"/>
+                                          </p:val>
+                                        </p:tav>
+                                        <p:tav tm="100000">
+                                          <p:val>
+                                            <p:strVal val="#ppt_x"/>
+                                          </p:val>
+                                        </p:tav>
+                                      </p:tavLst>
+                                    </p:anim>
+                                    <p:anim calcmode="lin" valueType="num">
+                                      <p:cBhvr>
+                                        <p:cTn id="14" dur="1000" fill="hold"/>
+                                        <p:tgtEl>
+                                          <p:spTgt spid="28"/>
+                                        </p:tgtEl>
+                                        <p:attrNameLst>
+                                          <p:attrName>ppt_y</p:attrName>
+                                        </p:attrNameLst>
+                                      </p:cBhvr>
+                                      <p:tavLst>
+                                        <p:tav tm="0">
+                                          <p:val>
+                                            <p:strVal val="#ppt_y+.1"/>
+                                          </p:val>
+                                        </p:tav>
+                                        <p:tav tm="100000">
+                                          <p:val>
+                                            <p:strVal val="#ppt_y"/>
+                                          </p:val>
+                                        </p:tav>
+                                      </p:tavLst>
+                                    </p:anim>
+                                  </p:childTnLst>
+                                </p:cTn>
+                              </p:par>
+                            </p:childTnLst>
+                          </p:cTn>
+                        </p:par>
+                      </p:childTnLst>
+                    </p:cTn>
+                  </p:par>
+                </p:childTnLst>
+              </p:cTn>
+              <p:prevCondLst>
+                <p:cond evt="onPrev" delay="0">
+                  <p:tgtEl>
+                    <p:sldTgt/>
+                  </p:tgtEl>
+                </p:cond>
+              </p:prevCondLst>
+              <p:nextCondLst>
+                <p:cond evt="onNext" delay="0">
+                  <p:tgtEl>
+                    <p:sldTgt/>
+                  </p:tgtEl>
+                </p:cond>
+              </p:nextCondLst>
+            </p:seq>
+          </p:childTnLst>
+        </p:cTn>
+      </p:par>
+    </p:tnLst>
+    <p:bldLst>
+      <p:bldP spid="28" grpId="0" animBg="1"/>
+    </p:bldLst>
+  </p:timing>
 </p:sld>
 </file>
 
@@ -14226,23 +14465,149 @@
             <p:ph idx="1"/>
           </p:nvPr>
         </p:nvSpPr>
-        <p:spPr/>
+        <p:spPr>
+          <a:xfrm>
+            <a:off x="1154953" y="2468032"/>
+            <a:ext cx="8761412" cy="3416300"/>
+          </a:xfrm>
+        </p:spPr>
         <p:txBody>
-          <a:bodyPr/>
+          <a:bodyPr>
+            <a:noAutofit/>
+          </a:bodyPr>
           <a:lstStyle/>
           <a:p>
+            <a:r>
+              <a:rPr lang="en-GB" sz="1600" b="1" i="1" dirty="0">
+                <a:solidFill>
+                  <a:schemeClr val="tx2"/>
+                </a:solidFill>
+              </a:rPr>
+              <a:t>Example 1 </a:t>
+            </a:r>
+            <a:r>
+              <a:rPr lang="en-GB" sz="1600" dirty="0"/>
+              <a:t>– Introduced with “by hand” calculation</a:t>
+            </a:r>
+          </a:p>
+          <a:p>
+            <a:pPr lvl="1"/>
             <a:r>
               <a:rPr lang="en-GB" dirty="0"/>
-              <a:t>Example 1 – Introduced with “by hand” calculation</a:t>
+              <a:t>Discussion of </a:t>
             </a:r>
-          </a:p>
-          <a:p>
-            <a:endParaRPr lang="en-GB" dirty="0"/>
-          </a:p>
-          <a:p>
             <a:r>
-              <a:rPr lang="en-GB" dirty="0"/>
-              <a:t>Example 2 – Implemented in SPSS</a:t>
+              <a:rPr lang="en-GB" b="1" dirty="0"/>
+              <a:t>assumptions</a:t>
+            </a:r>
+            <a:endParaRPr lang="en-GB" sz="1600" dirty="0"/>
+          </a:p>
+          <a:p>
+            <a:r>
+              <a:rPr lang="en-GB" sz="1600" b="1" i="1" dirty="0">
+                <a:solidFill>
+                  <a:schemeClr val="tx2"/>
+                </a:solidFill>
+              </a:rPr>
+              <a:t>Example 2 </a:t>
+            </a:r>
+            <a:r>
+              <a:rPr lang="en-GB" sz="1600" dirty="0"/>
+              <a:t>– Implementation in SPSS</a:t>
+            </a:r>
+          </a:p>
+          <a:p>
+            <a:pPr marL="742950" lvl="1" indent="-285750">
+              <a:lnSpc>
+                <a:spcPct val="107000"/>
+              </a:lnSpc>
+              <a:buFont typeface="Symbol" panose="05050102010706020507" pitchFamily="18" charset="2"/>
+              <a:buChar char=""/>
+            </a:pPr>
+            <a:r>
+              <a:rPr lang="en-GB" b="1" dirty="0">
+                <a:effectLst/>
+                <a:ea typeface="Calibri" panose="020F0502020204030204" pitchFamily="34" charset="0"/>
+                <a:cs typeface="Times New Roman" panose="02020603050405020304" pitchFamily="18" charset="0"/>
+              </a:rPr>
+              <a:t>Chi-square</a:t>
+            </a:r>
+          </a:p>
+          <a:p>
+            <a:pPr marL="742950" lvl="1" indent="-285750">
+              <a:lnSpc>
+                <a:spcPct val="107000"/>
+              </a:lnSpc>
+              <a:buFont typeface="Symbol" panose="05050102010706020507" pitchFamily="18" charset="2"/>
+              <a:buChar char=""/>
+            </a:pPr>
+            <a:r>
+              <a:rPr lang="en-GB" b="1" dirty="0">
+                <a:effectLst/>
+                <a:ea typeface="Calibri" panose="020F0502020204030204" pitchFamily="34" charset="0"/>
+                <a:cs typeface="Times New Roman" panose="02020603050405020304" pitchFamily="18" charset="0"/>
+              </a:rPr>
+              <a:t>Contingency Coefficient</a:t>
+            </a:r>
+          </a:p>
+          <a:p>
+            <a:pPr marL="742950" lvl="1" indent="-285750">
+              <a:lnSpc>
+                <a:spcPct val="107000"/>
+              </a:lnSpc>
+              <a:spcAft>
+                <a:spcPts val="800"/>
+              </a:spcAft>
+              <a:buFont typeface="Symbol" panose="05050102010706020507" pitchFamily="18" charset="2"/>
+              <a:buChar char=""/>
+            </a:pPr>
+            <a:r>
+              <a:rPr lang="en-GB" b="1" dirty="0">
+                <a:effectLst/>
+                <a:ea typeface="Calibri" panose="020F0502020204030204" pitchFamily="34" charset="0"/>
+                <a:cs typeface="Times New Roman" panose="02020603050405020304" pitchFamily="18" charset="0"/>
+              </a:rPr>
+              <a:t>Phi and Cramer’s V</a:t>
+            </a:r>
+          </a:p>
+          <a:p>
+            <a:pPr marL="742950" lvl="1" indent="-285750">
+              <a:lnSpc>
+                <a:spcPct val="107000"/>
+              </a:lnSpc>
+              <a:spcAft>
+                <a:spcPts val="800"/>
+              </a:spcAft>
+              <a:buFont typeface="Symbol" panose="05050102010706020507" pitchFamily="18" charset="2"/>
+              <a:buChar char=""/>
+            </a:pPr>
+            <a:r>
+              <a:rPr lang="en-GB" b="1" dirty="0"/>
+              <a:t>Fisher’s Exact </a:t>
+            </a:r>
+            <a:r>
+              <a:rPr lang="en-GB" i="1" dirty="0"/>
+              <a:t>(good for 2x2 with a small sample size)</a:t>
+            </a:r>
+            <a:endParaRPr lang="en-GB" sz="1600" b="1" dirty="0"/>
+          </a:p>
+          <a:p>
+            <a:pPr marL="57150" indent="0">
+              <a:lnSpc>
+                <a:spcPct val="107000"/>
+              </a:lnSpc>
+              <a:spcAft>
+                <a:spcPts val="800"/>
+              </a:spcAft>
+              <a:buNone/>
+            </a:pPr>
+            <a:r>
+              <a:rPr lang="en-GB" sz="1600" b="1" dirty="0"/>
+              <a:t>Odds Ratios </a:t>
+            </a:r>
+            <a:r>
+              <a:rPr lang="en-GB" sz="1600" i="1" dirty="0"/>
+              <a:t>(as a measure of effect size)</a:t>
             </a:r>
           </a:p>
         </p:txBody>
@@ -14250,7 +14615,7 @@
     </p:spTree>
     <p:extLst>
       <p:ext uri="{BB962C8B-B14F-4D97-AF65-F5344CB8AC3E}">
-        <p14:creationId xmlns:p14="http://schemas.microsoft.com/office/powerpoint/2010/main" val="116950389"/>
+        <p14:creationId xmlns:p14="http://schemas.microsoft.com/office/powerpoint/2010/main" val="2738866352"/>
       </p:ext>
     </p:extLst>
   </p:cSld>
